--- a/01-basics/exercises/17-joshuatree.pptx
+++ b/01-basics/exercises/17-joshuatree.pptx
@@ -2257,6 +2257,50 @@
           </a:graphicData>
         </a:graphic>
       </p:graphicFrame>
+      <p:sp>
+        <p:nvSpPr>
+          <p:cNvPr id="9" name="テキスト ボックス 8">
+            <a:extLst>
+              <a:ext uri="{FF2B5EF4-FFF2-40B4-BE49-F238E27FC236}">
+                <a16:creationId xmlns:a16="http://schemas.microsoft.com/office/drawing/2014/main" id="{2978362E-7A8A-8E3C-0F99-AD3489966343}"/>
+              </a:ext>
+            </a:extLst>
+          </p:cNvPr>
+          <p:cNvSpPr txBox="1"/>
+          <p:nvPr userDrawn="1"/>
+        </p:nvSpPr>
+        <p:spPr>
+          <a:xfrm>
+            <a:off x="6767193" y="145265"/>
+            <a:ext cx="4926965" cy="369332"/>
+          </a:xfrm>
+          <a:prstGeom prst="rect">
+            <a:avLst/>
+          </a:prstGeom>
+          <a:noFill/>
+          <a:ln>
+            <a:solidFill>
+              <a:schemeClr val="tx1"/>
+            </a:solidFill>
+          </a:ln>
+        </p:spPr>
+        <p:txBody>
+          <a:bodyPr wrap="square" rtlCol="0">
+            <a:spAutoFit/>
+          </a:bodyPr>
+          <a:lstStyle/>
+          <a:p>
+            <a:r>
+              <a:rPr kumimoji="1" lang="ja-JP" altLang="en-US" b="1" dirty="0"/>
+              <a:t>あなたの名前</a:t>
+            </a:r>
+            <a:r>
+              <a:rPr kumimoji="1" lang="ja-JP" altLang="en-US" dirty="0"/>
+              <a:t>：加藤 寛人</a:t>
+            </a:r>
+          </a:p>
+        </p:txBody>
+      </p:sp>
     </p:spTree>
     <p:extLst>
       <p:ext uri="{BB962C8B-B14F-4D97-AF65-F5344CB8AC3E}">
@@ -4381,6 +4425,50 @@
           </a:graphicData>
         </a:graphic>
       </p:graphicFrame>
+      <p:sp>
+        <p:nvSpPr>
+          <p:cNvPr id="2" name="テキスト ボックス 1">
+            <a:extLst>
+              <a:ext uri="{FF2B5EF4-FFF2-40B4-BE49-F238E27FC236}">
+                <a16:creationId xmlns:a16="http://schemas.microsoft.com/office/drawing/2014/main" id="{A1FD7E54-48A2-2B91-12F7-D250D356BAB4}"/>
+              </a:ext>
+            </a:extLst>
+          </p:cNvPr>
+          <p:cNvSpPr txBox="1"/>
+          <p:nvPr/>
+        </p:nvSpPr>
+        <p:spPr>
+          <a:xfrm>
+            <a:off x="6767193" y="145265"/>
+            <a:ext cx="4926965" cy="369332"/>
+          </a:xfrm>
+          <a:prstGeom prst="rect">
+            <a:avLst/>
+          </a:prstGeom>
+          <a:noFill/>
+          <a:ln>
+            <a:solidFill>
+              <a:schemeClr val="tx1"/>
+            </a:solidFill>
+          </a:ln>
+        </p:spPr>
+        <p:txBody>
+          <a:bodyPr wrap="square" rtlCol="0">
+            <a:spAutoFit/>
+          </a:bodyPr>
+          <a:lstStyle/>
+          <a:p>
+            <a:r>
+              <a:rPr kumimoji="1" lang="ja-JP" altLang="en-US" b="1"/>
+              <a:t>あなたの名前</a:t>
+            </a:r>
+            <a:r>
+              <a:rPr kumimoji="1" lang="ja-JP" altLang="en-US"/>
+              <a:t>：</a:t>
+            </a:r>
+          </a:p>
+        </p:txBody>
+      </p:sp>
     </p:spTree>
     <p:extLst>
       <p:ext uri="{BB962C8B-B14F-4D97-AF65-F5344CB8AC3E}">
